--- a/doc/task01/Task1_fin_v2.pptx
+++ b/doc/task01/Task1_fin_v2.pptx
@@ -174,7 +174,7 @@
     </p:spTree>
     <p:extLst>
       <p:ext uri="{BB962C8B-B14F-4D97-AF65-F5344CB8AC3E}">
-        <p14:creationId xmlns:p14="http://schemas.microsoft.com/office/powerpoint/2010/main" xmlns="" val="2785983294"/>
+        <p14:creationId xmlns:p14="http://schemas.microsoft.com/office/powerpoint/2010/main" val="2785983294"/>
       </p:ext>
     </p:extLst>
   </p:cSld>
@@ -368,7 +368,7 @@
     </p:spTree>
     <p:extLst>
       <p:ext uri="{BB962C8B-B14F-4D97-AF65-F5344CB8AC3E}">
-        <p14:creationId xmlns:p14="http://schemas.microsoft.com/office/powerpoint/2010/main" xmlns="" val="2584902918"/>
+        <p14:creationId xmlns:p14="http://schemas.microsoft.com/office/powerpoint/2010/main" val="2584902918"/>
       </p:ext>
     </p:extLst>
   </p:cSld>
@@ -463,7 +463,7 @@
     </p:spTree>
     <p:extLst>
       <p:ext uri="{BB962C8B-B14F-4D97-AF65-F5344CB8AC3E}">
-        <p14:creationId xmlns:p14="http://schemas.microsoft.com/office/powerpoint/2010/main" xmlns="" val="707982453"/>
+        <p14:creationId xmlns:p14="http://schemas.microsoft.com/office/powerpoint/2010/main" val="707982453"/>
       </p:ext>
     </p:extLst>
   </p:cSld>
@@ -1173,7 +1173,7 @@
             <a:effectLst/>
             <a:extLst>
               <a:ext uri="{C572A759-6A51-4108-AA02-DFA0A04FC94B}">
-                <ma14:wrappingTextBoxFlag xmlns="" xmlns:ma14="http://schemas.microsoft.com/office/mac/drawingml/2011/main" val="1"/>
+                <ma14:wrappingTextBoxFlag xmlns:ma14="http://schemas.microsoft.com/office/mac/drawingml/2011/main" xmlns="" val="1"/>
               </a:ext>
             </a:extLst>
           </p:spPr>
@@ -2545,7 +2545,7 @@
           </a:ln>
           <a:extLst>
             <a:ext uri="{C572A759-6A51-4108-AA02-DFA0A04FC94B}">
-              <ma14:wrappingTextBoxFlag xmlns="" xmlns:ma14="http://schemas.microsoft.com/office/mac/drawingml/2011/main" val="1"/>
+              <ma14:wrappingTextBoxFlag xmlns:ma14="http://schemas.microsoft.com/office/mac/drawingml/2011/main" xmlns="" val="1"/>
             </a:ext>
           </a:extLst>
         </p:spPr>
@@ -2637,7 +2637,7 @@
           </a:ln>
           <a:extLst>
             <a:ext uri="{C572A759-6A51-4108-AA02-DFA0A04FC94B}">
-              <ma14:wrappingTextBoxFlag xmlns="" xmlns:ma14="http://schemas.microsoft.com/office/mac/drawingml/2011/main" val="1"/>
+              <ma14:wrappingTextBoxFlag xmlns:ma14="http://schemas.microsoft.com/office/mac/drawingml/2011/main" xmlns="" val="1"/>
             </a:ext>
           </a:extLst>
         </p:spPr>
@@ -2699,7 +2699,7 @@
           </a:ln>
           <a:extLst>
             <a:ext uri="{C572A759-6A51-4108-AA02-DFA0A04FC94B}">
-              <ma14:wrappingTextBoxFlag xmlns="" xmlns:ma14="http://schemas.microsoft.com/office/mac/drawingml/2011/main" val="1"/>
+              <ma14:wrappingTextBoxFlag xmlns:ma14="http://schemas.microsoft.com/office/mac/drawingml/2011/main" xmlns="" val="1"/>
             </a:ext>
           </a:extLst>
         </p:spPr>
@@ -3696,9 +3696,14 @@
   <p:clrMapOvr>
     <a:masterClrMapping/>
   </p:clrMapOvr>
-  <p:transition spd="med">
-    <p:dissolve/>
-  </p:transition>
+  <mc:AlternateContent xmlns:mc="http://schemas.openxmlformats.org/markup-compatibility/2006">
+    <mc:Choice xmlns:p14="http://schemas.microsoft.com/office/powerpoint/2010/main" Requires="p14">
+      <p:transition p14:dur="0"/>
+    </mc:Choice>
+    <mc:Fallback>
+      <p:transition/>
+    </mc:Fallback>
+  </mc:AlternateContent>
   <p:timing>
     <p:tnLst>
       <p:par>
@@ -4232,9 +4237,14 @@
   <p:clrMapOvr>
     <a:masterClrMapping/>
   </p:clrMapOvr>
-  <p:transition spd="med">
-    <p:dissolve/>
-  </p:transition>
+  <mc:AlternateContent xmlns:mc="http://schemas.openxmlformats.org/markup-compatibility/2006">
+    <mc:Choice xmlns:p14="http://schemas.microsoft.com/office/powerpoint/2010/main" Requires="p14">
+      <p:transition p14:dur="0"/>
+    </mc:Choice>
+    <mc:Fallback>
+      <p:transition/>
+    </mc:Fallback>
+  </mc:AlternateContent>
   <p:timing>
     <p:tnLst>
       <p:par>
@@ -4845,9 +4855,14 @@
   <p:clrMapOvr>
     <a:masterClrMapping/>
   </p:clrMapOvr>
-  <p:transition spd="med">
-    <p:dissolve/>
-  </p:transition>
+  <mc:AlternateContent xmlns:mc="http://schemas.openxmlformats.org/markup-compatibility/2006">
+    <mc:Choice xmlns:p14="http://schemas.microsoft.com/office/powerpoint/2010/main" Requires="p14">
+      <p:transition p14:dur="0"/>
+    </mc:Choice>
+    <mc:Fallback>
+      <p:transition/>
+    </mc:Fallback>
+  </mc:AlternateContent>
 </p:sld>
 </file>
 
